--- a/Alenka.pptx
+++ b/Alenka.pptx
@@ -299,7 +299,7 @@
           <a:p>
             <a:fld id="{DD3D0F44-14E1-4700-A78A-1FFA81059828}" type="datetimeFigureOut">
               <a:rPr lang="en-US" smtClean="0"/>
-              <a:t>11/24/2012</a:t>
+              <a:t>11/25/2012</a:t>
             </a:fld>
             <a:endParaRPr lang="en-US"/>
           </a:p>
@@ -469,7 +469,7 @@
           <a:p>
             <a:fld id="{DD3D0F44-14E1-4700-A78A-1FFA81059828}" type="datetimeFigureOut">
               <a:rPr lang="en-US" smtClean="0"/>
-              <a:t>11/24/2012</a:t>
+              <a:t>11/25/2012</a:t>
             </a:fld>
             <a:endParaRPr lang="en-US"/>
           </a:p>
@@ -649,7 +649,7 @@
           <a:p>
             <a:fld id="{DD3D0F44-14E1-4700-A78A-1FFA81059828}" type="datetimeFigureOut">
               <a:rPr lang="en-US" smtClean="0"/>
-              <a:t>11/24/2012</a:t>
+              <a:t>11/25/2012</a:t>
             </a:fld>
             <a:endParaRPr lang="en-US"/>
           </a:p>
@@ -819,7 +819,7 @@
           <a:p>
             <a:fld id="{DD3D0F44-14E1-4700-A78A-1FFA81059828}" type="datetimeFigureOut">
               <a:rPr lang="en-US" smtClean="0"/>
-              <a:t>11/24/2012</a:t>
+              <a:t>11/25/2012</a:t>
             </a:fld>
             <a:endParaRPr lang="en-US"/>
           </a:p>
@@ -1065,7 +1065,7 @@
           <a:p>
             <a:fld id="{DD3D0F44-14E1-4700-A78A-1FFA81059828}" type="datetimeFigureOut">
               <a:rPr lang="en-US" smtClean="0"/>
-              <a:t>11/24/2012</a:t>
+              <a:t>11/25/2012</a:t>
             </a:fld>
             <a:endParaRPr lang="en-US"/>
           </a:p>
@@ -1353,7 +1353,7 @@
           <a:p>
             <a:fld id="{DD3D0F44-14E1-4700-A78A-1FFA81059828}" type="datetimeFigureOut">
               <a:rPr lang="en-US" smtClean="0"/>
-              <a:t>11/24/2012</a:t>
+              <a:t>11/25/2012</a:t>
             </a:fld>
             <a:endParaRPr lang="en-US"/>
           </a:p>
@@ -1775,7 +1775,7 @@
           <a:p>
             <a:fld id="{DD3D0F44-14E1-4700-A78A-1FFA81059828}" type="datetimeFigureOut">
               <a:rPr lang="en-US" smtClean="0"/>
-              <a:t>11/24/2012</a:t>
+              <a:t>11/25/2012</a:t>
             </a:fld>
             <a:endParaRPr lang="en-US"/>
           </a:p>
@@ -1893,7 +1893,7 @@
           <a:p>
             <a:fld id="{DD3D0F44-14E1-4700-A78A-1FFA81059828}" type="datetimeFigureOut">
               <a:rPr lang="en-US" smtClean="0"/>
-              <a:t>11/24/2012</a:t>
+              <a:t>11/25/2012</a:t>
             </a:fld>
             <a:endParaRPr lang="en-US"/>
           </a:p>
@@ -1988,7 +1988,7 @@
           <a:p>
             <a:fld id="{DD3D0F44-14E1-4700-A78A-1FFA81059828}" type="datetimeFigureOut">
               <a:rPr lang="en-US" smtClean="0"/>
-              <a:t>11/24/2012</a:t>
+              <a:t>11/25/2012</a:t>
             </a:fld>
             <a:endParaRPr lang="en-US"/>
           </a:p>
@@ -2265,7 +2265,7 @@
           <a:p>
             <a:fld id="{DD3D0F44-14E1-4700-A78A-1FFA81059828}" type="datetimeFigureOut">
               <a:rPr lang="en-US" smtClean="0"/>
-              <a:t>11/24/2012</a:t>
+              <a:t>11/25/2012</a:t>
             </a:fld>
             <a:endParaRPr lang="en-US"/>
           </a:p>
@@ -2518,7 +2518,7 @@
           <a:p>
             <a:fld id="{DD3D0F44-14E1-4700-A78A-1FFA81059828}" type="datetimeFigureOut">
               <a:rPr lang="en-US" smtClean="0"/>
-              <a:t>11/24/2012</a:t>
+              <a:t>11/25/2012</a:t>
             </a:fld>
             <a:endParaRPr lang="en-US"/>
           </a:p>
@@ -2731,7 +2731,7 @@
           <a:p>
             <a:fld id="{DD3D0F44-14E1-4700-A78A-1FFA81059828}" type="datetimeFigureOut">
               <a:rPr lang="en-US" smtClean="0"/>
-              <a:t>11/24/2012</a:t>
+              <a:t>11/25/2012</a:t>
             </a:fld>
             <a:endParaRPr lang="en-US"/>
           </a:p>
@@ -3812,19 +3812,29 @@
             </a:r>
             <a:r>
               <a:rPr lang="en-US" dirty="0" smtClean="0"/>
-              <a:t> and outer joins as well as support for a string join.</a:t>
-            </a:r>
-          </a:p>
-          <a:p>
-            <a:r>
-              <a:rPr lang="en-US" dirty="0" smtClean="0"/>
-              <a:t>Run TPC-H on a larger scale – 1TB to possibly 100s </a:t>
-            </a:r>
-            <a:r>
-              <a:rPr lang="en-US" smtClean="0"/>
-              <a:t>of terabytes.</a:t>
+              <a:t> and outer joins as well as support for a string join</a:t>
+            </a:r>
+            <a:r>
+              <a:rPr lang="en-US" dirty="0" smtClean="0"/>
+              <a:t>.</a:t>
+            </a:r>
+          </a:p>
+          <a:p>
+            <a:r>
+              <a:rPr lang="en-US" dirty="0" smtClean="0"/>
+              <a:t>Implement Update/Delete manager to </a:t>
+            </a:r>
+            <a:r>
+              <a:rPr lang="en-US" smtClean="0"/>
+              <a:t>support insert/update/delete ops.</a:t>
             </a:r>
             <a:endParaRPr lang="en-US" dirty="0" smtClean="0"/>
+          </a:p>
+          <a:p>
+            <a:r>
+              <a:rPr lang="en-US" dirty="0" smtClean="0"/>
+              <a:t>Run TPC-H on a larger scale – 1TB to possibly 100s of terabytes.</a:t>
+            </a:r>
           </a:p>
           <a:p>
             <a:endParaRPr lang="en-US" dirty="0"/>
@@ -4157,11 +4167,7 @@
           <a:p>
             <a:r>
               <a:rPr lang="en-US" dirty="0" smtClean="0"/>
-              <a:t> Limits of LZRW and LZO.</a:t>
-            </a:r>
-            <a:r>
-              <a:rPr lang="en-US" dirty="0" smtClean="0"/>
-              <a:t> Light-weight compression – FOR (frame of reference) and FOR-delta. Dictionary compression for strings.</a:t>
+              <a:t> Limits of LZRW and LZO. Light-weight compression – FOR (frame of reference) and FOR-delta. Dictionary compression for strings.</a:t>
             </a:r>
           </a:p>
           <a:p>
@@ -4356,7 +4362,6 @@
               <a:rPr lang="en-US" dirty="0" smtClean="0"/>
               <a:t>Compressed data</a:t>
             </a:r>
-            <a:endParaRPr lang="en-US" dirty="0" smtClean="0"/>
           </a:p>
         </p:txBody>
       </p:sp>
@@ -4420,7 +4425,6 @@
               <a:rPr lang="en-US" dirty="0" smtClean="0"/>
               <a:t>Compressed data</a:t>
             </a:r>
-            <a:endParaRPr lang="en-US" dirty="0" smtClean="0"/>
           </a:p>
         </p:txBody>
       </p:sp>
@@ -4484,7 +4488,6 @@
               <a:rPr lang="en-US" dirty="0" smtClean="0"/>
               <a:t>Compressed data</a:t>
             </a:r>
-            <a:endParaRPr lang="en-US" dirty="0" smtClean="0"/>
           </a:p>
         </p:txBody>
       </p:sp>
@@ -5176,11 +5179,7 @@
           <a:p>
             <a:r>
               <a:rPr lang="en-US" dirty="0" smtClean="0"/>
-              <a:t>System 2 = MS SQL 2008 (</a:t>
-            </a:r>
-            <a:r>
-              <a:rPr lang="en-US" dirty="0" smtClean="0"/>
-              <a:t>2 Xeon 5570 CPU + 144GB of memory + 12 SSD drives = 54,000  USD)</a:t>
+              <a:t>System 2 = MS SQL 2008 (2 Xeon 5570 CPU + 144GB of memory + 12 SSD drives = 54,000  USD)</a:t>
             </a:r>
           </a:p>
           <a:p>

--- a/Alenka.pptx
+++ b/Alenka.pptx
@@ -299,7 +299,7 @@
           <a:p>
             <a:fld id="{DD3D0F44-14E1-4700-A78A-1FFA81059828}" type="datetimeFigureOut">
               <a:rPr lang="en-US" smtClean="0"/>
-              <a:t>11/25/2012</a:t>
+              <a:t>11/28/2012</a:t>
             </a:fld>
             <a:endParaRPr lang="en-US"/>
           </a:p>
@@ -469,7 +469,7 @@
           <a:p>
             <a:fld id="{DD3D0F44-14E1-4700-A78A-1FFA81059828}" type="datetimeFigureOut">
               <a:rPr lang="en-US" smtClean="0"/>
-              <a:t>11/25/2012</a:t>
+              <a:t>11/28/2012</a:t>
             </a:fld>
             <a:endParaRPr lang="en-US"/>
           </a:p>
@@ -649,7 +649,7 @@
           <a:p>
             <a:fld id="{DD3D0F44-14E1-4700-A78A-1FFA81059828}" type="datetimeFigureOut">
               <a:rPr lang="en-US" smtClean="0"/>
-              <a:t>11/25/2012</a:t>
+              <a:t>11/28/2012</a:t>
             </a:fld>
             <a:endParaRPr lang="en-US"/>
           </a:p>
@@ -819,7 +819,7 @@
           <a:p>
             <a:fld id="{DD3D0F44-14E1-4700-A78A-1FFA81059828}" type="datetimeFigureOut">
               <a:rPr lang="en-US" smtClean="0"/>
-              <a:t>11/25/2012</a:t>
+              <a:t>11/28/2012</a:t>
             </a:fld>
             <a:endParaRPr lang="en-US"/>
           </a:p>
@@ -1065,7 +1065,7 @@
           <a:p>
             <a:fld id="{DD3D0F44-14E1-4700-A78A-1FFA81059828}" type="datetimeFigureOut">
               <a:rPr lang="en-US" smtClean="0"/>
-              <a:t>11/25/2012</a:t>
+              <a:t>11/28/2012</a:t>
             </a:fld>
             <a:endParaRPr lang="en-US"/>
           </a:p>
@@ -1353,7 +1353,7 @@
           <a:p>
             <a:fld id="{DD3D0F44-14E1-4700-A78A-1FFA81059828}" type="datetimeFigureOut">
               <a:rPr lang="en-US" smtClean="0"/>
-              <a:t>11/25/2012</a:t>
+              <a:t>11/28/2012</a:t>
             </a:fld>
             <a:endParaRPr lang="en-US"/>
           </a:p>
@@ -1775,7 +1775,7 @@
           <a:p>
             <a:fld id="{DD3D0F44-14E1-4700-A78A-1FFA81059828}" type="datetimeFigureOut">
               <a:rPr lang="en-US" smtClean="0"/>
-              <a:t>11/25/2012</a:t>
+              <a:t>11/28/2012</a:t>
             </a:fld>
             <a:endParaRPr lang="en-US"/>
           </a:p>
@@ -1893,7 +1893,7 @@
           <a:p>
             <a:fld id="{DD3D0F44-14E1-4700-A78A-1FFA81059828}" type="datetimeFigureOut">
               <a:rPr lang="en-US" smtClean="0"/>
-              <a:t>11/25/2012</a:t>
+              <a:t>11/28/2012</a:t>
             </a:fld>
             <a:endParaRPr lang="en-US"/>
           </a:p>
@@ -1988,7 +1988,7 @@
           <a:p>
             <a:fld id="{DD3D0F44-14E1-4700-A78A-1FFA81059828}" type="datetimeFigureOut">
               <a:rPr lang="en-US" smtClean="0"/>
-              <a:t>11/25/2012</a:t>
+              <a:t>11/28/2012</a:t>
             </a:fld>
             <a:endParaRPr lang="en-US"/>
           </a:p>
@@ -2265,7 +2265,7 @@
           <a:p>
             <a:fld id="{DD3D0F44-14E1-4700-A78A-1FFA81059828}" type="datetimeFigureOut">
               <a:rPr lang="en-US" smtClean="0"/>
-              <a:t>11/25/2012</a:t>
+              <a:t>11/28/2012</a:t>
             </a:fld>
             <a:endParaRPr lang="en-US"/>
           </a:p>
@@ -2518,7 +2518,7 @@
           <a:p>
             <a:fld id="{DD3D0F44-14E1-4700-A78A-1FFA81059828}" type="datetimeFigureOut">
               <a:rPr lang="en-US" smtClean="0"/>
-              <a:t>11/25/2012</a:t>
+              <a:t>11/28/2012</a:t>
             </a:fld>
             <a:endParaRPr lang="en-US"/>
           </a:p>
@@ -2731,7 +2731,7 @@
           <a:p>
             <a:fld id="{DD3D0F44-14E1-4700-A78A-1FFA81059828}" type="datetimeFigureOut">
               <a:rPr lang="en-US" smtClean="0"/>
-              <a:t>11/25/2012</a:t>
+              <a:t>11/28/2012</a:t>
             </a:fld>
             <a:endParaRPr lang="en-US"/>
           </a:p>
@@ -3177,8 +3177,16 @@
           <a:lstStyle/>
           <a:p>
             <a:r>
-              <a:rPr lang="en-US" dirty="0" smtClean="0"/>
-              <a:t>Running database on a GPU</a:t>
+              <a:rPr lang="en-US" smtClean="0"/>
+              <a:t>Running </a:t>
+            </a:r>
+            <a:r>
+              <a:rPr lang="en-US" smtClean="0"/>
+              <a:t>a database </a:t>
+            </a:r>
+            <a:r>
+              <a:rPr lang="en-US" dirty="0" smtClean="0"/>
+              <a:t>on a GPU</a:t>
             </a:r>
             <a:endParaRPr lang="en-US" dirty="0"/>
           </a:p>
@@ -3812,11 +3820,7 @@
             </a:r>
             <a:r>
               <a:rPr lang="en-US" dirty="0" smtClean="0"/>
-              <a:t> and outer joins as well as support for a string join</a:t>
-            </a:r>
-            <a:r>
-              <a:rPr lang="en-US" dirty="0" smtClean="0"/>
-              <a:t>.</a:t>
+              <a:t> and outer joins as well as support for a string join.</a:t>
             </a:r>
           </a:p>
           <a:p>
